--- a/slides/Laptop Compare.pptx
+++ b/slides/Laptop Compare.pptx
@@ -158,7 +158,7 @@
   </p:defaultTextStyle>
   <p:extLst>
     <p:ext uri="{EFAFB233-063F-42B5-8137-9DF3F51BA10A}">
-      <p15:sldGuideLst xmlns:p15="http://schemas.microsoft.com/office/powerpoint/2012/main" xmlns="">
+      <p15:sldGuideLst xmlns="" xmlns:p15="http://schemas.microsoft.com/office/powerpoint/2012/main">
         <p15:guide id="1" orient="horz" pos="2160">
           <p15:clr>
             <a:srgbClr val="A4A3A4"/>
@@ -317,11 +317,11 @@
           <c:showBubbleSize val="0"/>
         </c:dLbls>
         <c:gapWidth val="182"/>
-        <c:axId val="205172096"/>
-        <c:axId val="205243520"/>
+        <c:axId val="180853376"/>
+        <c:axId val="182780288"/>
       </c:barChart>
       <c:catAx>
-        <c:axId val="205172096"/>
+        <c:axId val="180853376"/>
         <c:scaling>
           <c:orientation val="minMax"/>
         </c:scaling>
@@ -365,7 +365,7 @@
             <a:endParaRPr lang="en-US"/>
           </a:p>
         </c:txPr>
-        <c:crossAx val="205243520"/>
+        <c:crossAx val="182780288"/>
         <c:crosses val="autoZero"/>
         <c:auto val="1"/>
         <c:lblAlgn val="ctr"/>
@@ -373,7 +373,7 @@
         <c:noMultiLvlLbl val="0"/>
       </c:catAx>
       <c:valAx>
-        <c:axId val="205243520"/>
+        <c:axId val="182780288"/>
         <c:scaling>
           <c:orientation val="minMax"/>
         </c:scaling>
@@ -427,7 +427,7 @@
             <a:endParaRPr lang="en-US"/>
           </a:p>
         </c:txPr>
-        <c:crossAx val="205172096"/>
+        <c:crossAx val="180853376"/>
         <c:crosses val="autoZero"/>
         <c:crossBetween val="between"/>
       </c:valAx>
@@ -543,11 +543,11 @@
           <c:showBubbleSize val="0"/>
         </c:dLbls>
         <c:gapWidth val="182"/>
-        <c:axId val="205415936"/>
-        <c:axId val="205417472"/>
+        <c:axId val="125205888"/>
+        <c:axId val="128068992"/>
       </c:barChart>
       <c:catAx>
-        <c:axId val="205415936"/>
+        <c:axId val="125205888"/>
         <c:scaling>
           <c:orientation val="minMax"/>
         </c:scaling>
@@ -591,7 +591,7 @@
             <a:endParaRPr lang="en-US"/>
           </a:p>
         </c:txPr>
-        <c:crossAx val="205417472"/>
+        <c:crossAx val="128068992"/>
         <c:crosses val="autoZero"/>
         <c:auto val="1"/>
         <c:lblAlgn val="ctr"/>
@@ -599,7 +599,7 @@
         <c:noMultiLvlLbl val="0"/>
       </c:catAx>
       <c:valAx>
-        <c:axId val="205417472"/>
+        <c:axId val="128068992"/>
         <c:scaling>
           <c:orientation val="minMax"/>
         </c:scaling>
@@ -653,7 +653,7 @@
             <a:endParaRPr lang="en-US"/>
           </a:p>
         </c:txPr>
-        <c:crossAx val="205415936"/>
+        <c:crossAx val="125205888"/>
         <c:crosses val="autoZero"/>
         <c:crossBetween val="between"/>
       </c:valAx>
@@ -1712,7 +1712,7 @@
               <a:pPr>
                 <a:defRPr/>
               </a:pPr>
-              <a:t>27/8/2014</a:t>
+              <a:t>29/8/2014</a:t>
             </a:fld>
             <a:endParaRPr lang="en-US"/>
           </a:p>
@@ -9542,7 +9542,7 @@
           <a:graphicData uri="http://schemas.openxmlformats.org/presentationml/2006/ole">
             <mc:AlternateContent xmlns:mc="http://schemas.openxmlformats.org/markup-compatibility/2006">
               <mc:Choice xmlns:v="urn:schemas-microsoft-com:vml" Requires="v">
-                <p:oleObj spid="_x0000_s34204" name="Equation" r:id="rId3" imgW="435285" imgH="677109" progId="Equation.DSMT4">
+                <p:oleObj spid="_x0000_s34208" name="Equation" r:id="rId3" imgW="435285" imgH="677109" progId="Equation.DSMT4">
                   <p:embed/>
                 </p:oleObj>
               </mc:Choice>
@@ -10164,7 +10164,7 @@
           <a:graphicData uri="http://schemas.openxmlformats.org/presentationml/2006/ole">
             <mc:AlternateContent xmlns:mc="http://schemas.openxmlformats.org/markup-compatibility/2006">
               <mc:Choice xmlns:v="urn:schemas-microsoft-com:vml" Requires="v">
-                <p:oleObj spid="_x0000_s34205" name="Equation" r:id="rId5" imgW="2361960" imgH="393480" progId="Equation.DSMT4">
+                <p:oleObj spid="_x0000_s34209" name="Equation" r:id="rId5" imgW="2361960" imgH="393480" progId="Equation.DSMT4">
                   <p:embed/>
                 </p:oleObj>
               </mc:Choice>
@@ -11016,7 +11016,7 @@
           <a:graphicData uri="http://schemas.openxmlformats.org/presentationml/2006/ole">
             <mc:AlternateContent xmlns:mc="http://schemas.openxmlformats.org/markup-compatibility/2006">
               <mc:Choice xmlns:v="urn:schemas-microsoft-com:vml" Requires="v">
-                <p:oleObj spid="_x0000_s35223" name="Equation" r:id="rId3" imgW="2958840" imgH="583920" progId="Equation.DSMT4">
+                <p:oleObj spid="_x0000_s35227" name="Equation" r:id="rId3" imgW="2958840" imgH="583920" progId="Equation.DSMT4">
                   <p:embed/>
                 </p:oleObj>
               </mc:Choice>
@@ -11189,7 +11189,7 @@
           <a:graphicData uri="http://schemas.openxmlformats.org/presentationml/2006/ole">
             <mc:AlternateContent xmlns:mc="http://schemas.openxmlformats.org/markup-compatibility/2006">
               <mc:Choice xmlns:v="urn:schemas-microsoft-com:vml" Requires="v">
-                <p:oleObj spid="_x0000_s35224" name="Equation" r:id="rId7" imgW="3035160" imgH="583920" progId="Equation.DSMT4">
+                <p:oleObj spid="_x0000_s35228" name="Equation" r:id="rId7" imgW="3035160" imgH="583920" progId="Equation.DSMT4">
                   <p:embed/>
                 </p:oleObj>
               </mc:Choice>
@@ -13416,7 +13416,7 @@
           <a:graphicData uri="http://schemas.openxmlformats.org/presentationml/2006/ole">
             <mc:AlternateContent xmlns:mc="http://schemas.openxmlformats.org/markup-compatibility/2006">
               <mc:Choice xmlns:v="urn:schemas-microsoft-com:vml" Requires="v">
-                <p:oleObj spid="_x0000_s45145" name="Equation" r:id="rId3" imgW="799920" imgH="393480" progId="Equation.DSMT4">
+                <p:oleObj spid="_x0000_s45147" name="Equation" r:id="rId3" imgW="799920" imgH="393480" progId="Equation.DSMT4">
                   <p:embed/>
                 </p:oleObj>
               </mc:Choice>
@@ -15488,7 +15488,7 @@
           <a:graphicData uri="http://schemas.openxmlformats.org/presentationml/2006/ole">
             <mc:AlternateContent xmlns:mc="http://schemas.openxmlformats.org/markup-compatibility/2006">
               <mc:Choice xmlns:v="urn:schemas-microsoft-com:vml" Requires="v">
-                <p:oleObj spid="_x0000_s37283" name="Equation" r:id="rId5" imgW="837836" imgH="583947" progId="Equation.DSMT4">
+                <p:oleObj spid="_x0000_s37287" name="Equation" r:id="rId5" imgW="837836" imgH="583947" progId="Equation.DSMT4">
                   <p:embed/>
                 </p:oleObj>
               </mc:Choice>
@@ -15577,7 +15577,7 @@
           <a:graphicData uri="http://schemas.openxmlformats.org/presentationml/2006/ole">
             <mc:AlternateContent xmlns:mc="http://schemas.openxmlformats.org/markup-compatibility/2006">
               <mc:Choice xmlns:v="urn:schemas-microsoft-com:vml" Requires="v">
-                <p:oleObj spid="_x0000_s37284" name="Equation" r:id="rId7" imgW="837836" imgH="583947" progId="Equation.DSMT4">
+                <p:oleObj spid="_x0000_s37288" name="Equation" r:id="rId7" imgW="837836" imgH="583947" progId="Equation.DSMT4">
                   <p:embed/>
                 </p:oleObj>
               </mc:Choice>
@@ -17622,7 +17622,7 @@
           <a:graphicData uri="http://schemas.openxmlformats.org/presentationml/2006/ole">
             <mc:AlternateContent xmlns:mc="http://schemas.openxmlformats.org/markup-compatibility/2006">
               <mc:Choice xmlns:v="urn:schemas-microsoft-com:vml" Requires="v">
-                <p:oleObj spid="_x0000_s46167" name="Equation" r:id="rId3" imgW="736560" imgH="393480" progId="Equation.DSMT4">
+                <p:oleObj spid="_x0000_s46169" name="Equation" r:id="rId3" imgW="736560" imgH="393480" progId="Equation.DSMT4">
                   <p:embed/>
                 </p:oleObj>
               </mc:Choice>
@@ -19045,7 +19045,7 @@
           <p:nvPr>
             <p:extLst>
               <p:ext uri="{D42A27DB-BD31-4B8C-83A1-F6EECF244321}">
-                <p14:modId xmlns:p14="http://schemas.microsoft.com/office/powerpoint/2010/main" val="3618931204"/>
+                <p14:modId xmlns:p14="http://schemas.microsoft.com/office/powerpoint/2010/main" val="4130020008"/>
               </p:ext>
             </p:extLst>
           </p:nvPr>
@@ -19654,8 +19654,8 @@
                     <a:p>
                       <a:pPr algn="ctr"/>
                       <a:r>
-                        <a:rPr lang="en-US" dirty="0" smtClean="0"/>
-                        <a:t>12.86</a:t>
+                        <a:rPr lang="en-US" smtClean="0"/>
+                        <a:t>42.71</a:t>
                       </a:r>
                       <a:endParaRPr lang="en-US" dirty="0">
                         <a:solidFill>
@@ -19673,8 +19673,8 @@
                     <a:p>
                       <a:pPr algn="ctr"/>
                       <a:r>
-                        <a:rPr lang="en-US" dirty="0" smtClean="0"/>
-                        <a:t>11.26</a:t>
+                        <a:rPr lang="en-US" smtClean="0"/>
+                        <a:t>37.40</a:t>
                       </a:r>
                       <a:endParaRPr lang="en-US" dirty="0">
                         <a:solidFill>
@@ -20022,7 +20022,7 @@
           <a:graphicData uri="http://schemas.openxmlformats.org/presentationml/2006/ole">
             <mc:AlternateContent xmlns:mc="http://schemas.openxmlformats.org/markup-compatibility/2006">
               <mc:Choice xmlns:v="urn:schemas-microsoft-com:vml" Requires="v">
-                <p:oleObj spid="_x0000_s42432" name="Equation" r:id="rId5" imgW="1384200" imgH="393480" progId="Equation.DSMT4">
+                <p:oleObj spid="_x0000_s42440" name="Equation" r:id="rId5" imgW="1384200" imgH="393480" progId="Equation.DSMT4">
                   <p:embed/>
                 </p:oleObj>
               </mc:Choice>
@@ -20105,7 +20105,7 @@
           <a:graphicData uri="http://schemas.openxmlformats.org/presentationml/2006/ole">
             <mc:AlternateContent xmlns:mc="http://schemas.openxmlformats.org/markup-compatibility/2006">
               <mc:Choice xmlns:v="urn:schemas-microsoft-com:vml" Requires="v">
-                <p:oleObj spid="_x0000_s42433" name="Equation" r:id="rId7" imgW="1244520" imgH="393480" progId="Equation.DSMT4">
+                <p:oleObj spid="_x0000_s42441" name="Equation" r:id="rId7" imgW="1244520" imgH="393480" progId="Equation.DSMT4">
                   <p:embed/>
                 </p:oleObj>
               </mc:Choice>
@@ -20641,7 +20641,7 @@
           <a:graphicData uri="http://schemas.openxmlformats.org/presentationml/2006/ole">
             <mc:AlternateContent xmlns:mc="http://schemas.openxmlformats.org/markup-compatibility/2006">
               <mc:Choice xmlns:v="urn:schemas-microsoft-com:vml" Requires="v">
-                <p:oleObj spid="_x0000_s42434" name="Equation" r:id="rId12" imgW="1384200" imgH="393480" progId="Equation.DSMT4">
+                <p:oleObj spid="_x0000_s42442" name="Equation" r:id="rId12" imgW="1384200" imgH="393480" progId="Equation.DSMT4">
                   <p:embed/>
                 </p:oleObj>
               </mc:Choice>
@@ -20724,7 +20724,7 @@
           <a:graphicData uri="http://schemas.openxmlformats.org/presentationml/2006/ole">
             <mc:AlternateContent xmlns:mc="http://schemas.openxmlformats.org/markup-compatibility/2006">
               <mc:Choice xmlns:v="urn:schemas-microsoft-com:vml" Requires="v">
-                <p:oleObj spid="_x0000_s42435" name="Equation" r:id="rId14" imgW="1244520" imgH="393480" progId="Equation.DSMT4">
+                <p:oleObj spid="_x0000_s42443" name="Equation" r:id="rId14" imgW="1244520" imgH="393480" progId="Equation.DSMT4">
                   <p:embed/>
                 </p:oleObj>
               </mc:Choice>
@@ -32289,7 +32289,7 @@
   <a:extraClrSchemeLst/>
   <a:extLst>
     <a:ext uri="{05A4C25C-085E-4340-85A3-A5531E510DB2}">
-      <thm15:themeFamily xmlns:thm15="http://schemas.microsoft.com/office/thememl/2012/main" xmlns="" name="Celestial" id="{C4BB2A3D-0E93-4C5F-B0D2-9D3FCE089CC5}" vid="{42E5908D-19A2-46FD-89FA-638B126129EF}"/>
+      <thm15:themeFamily xmlns="" xmlns:thm15="http://schemas.microsoft.com/office/thememl/2012/main" name="Celestial" id="{C4BB2A3D-0E93-4C5F-B0D2-9D3FCE089CC5}" vid="{42E5908D-19A2-46FD-89FA-638B126129EF}"/>
     </a:ext>
   </a:extLst>
 </a:theme>
